--- a/Javascript/JavaScript.pptx
+++ b/Javascript/JavaScript.pptx
@@ -243,7 +243,7 @@
           <a:p>
             <a:fld id="{18E9A1B5-1BE4-4CD6-80C4-143959F034D3}" type="datetimeFigureOut">
               <a:rPr lang="en-US" smtClean="0"/>
-              <a:t>8/31/2020</a:t>
+              <a:t>8/28/2025</a:t>
             </a:fld>
             <a:endParaRPr lang="en-US" dirty="0"/>
           </a:p>
@@ -420,7 +420,7 @@
           <a:p>
             <a:fld id="{D8E6120A-21AF-4F12-ABAA-66A70823631B}" type="datetimeFigureOut">
               <a:rPr lang="en-US" smtClean="0"/>
-              <a:t>8/31/2020</a:t>
+              <a:t>8/28/2025</a:t>
             </a:fld>
             <a:endParaRPr lang="en-US" dirty="0"/>
           </a:p>
@@ -3549,7 +3549,7 @@
           <a:p>
             <a:fld id="{EF63B152-7103-4FFE-90AC-D94EB7F44A7E}" type="datetimeFigureOut">
               <a:rPr lang="en-US" smtClean="0"/>
-              <a:t>8/31/2020</a:t>
+              <a:t>8/28/2025</a:t>
             </a:fld>
             <a:endParaRPr lang="en-US" dirty="0"/>
           </a:p>
@@ -3787,7 +3787,7 @@
           <a:p>
             <a:fld id="{EF63B152-7103-4FFE-90AC-D94EB7F44A7E}" type="datetimeFigureOut">
               <a:rPr lang="en-US" smtClean="0"/>
-              <a:t>8/31/2020</a:t>
+              <a:t>8/28/2025</a:t>
             </a:fld>
             <a:endParaRPr lang="en-US" dirty="0"/>
           </a:p>
@@ -3967,7 +3967,7 @@
           <a:p>
             <a:fld id="{EF63B152-7103-4FFE-90AC-D94EB7F44A7E}" type="datetimeFigureOut">
               <a:rPr lang="en-US" smtClean="0"/>
-              <a:t>8/31/2020</a:t>
+              <a:t>8/28/2025</a:t>
             </a:fld>
             <a:endParaRPr lang="en-US" dirty="0"/>
           </a:p>
@@ -4137,7 +4137,7 @@
           <a:p>
             <a:fld id="{EF63B152-7103-4FFE-90AC-D94EB7F44A7E}" type="datetimeFigureOut">
               <a:rPr lang="en-US" smtClean="0"/>
-              <a:t>8/31/2020</a:t>
+              <a:t>8/28/2025</a:t>
             </a:fld>
             <a:endParaRPr lang="en-US" dirty="0"/>
           </a:p>
@@ -4413,7 +4413,7 @@
           <a:p>
             <a:fld id="{EF63B152-7103-4FFE-90AC-D94EB7F44A7E}" type="datetimeFigureOut">
               <a:rPr lang="en-US" smtClean="0"/>
-              <a:t>8/31/2020</a:t>
+              <a:t>8/28/2025</a:t>
             </a:fld>
             <a:endParaRPr lang="en-US" dirty="0"/>
           </a:p>
@@ -5614,7 +5614,7 @@
           <a:p>
             <a:fld id="{EF63B152-7103-4FFE-90AC-D94EB7F44A7E}" type="datetimeFigureOut">
               <a:rPr lang="en-US" smtClean="0"/>
-              <a:t>8/31/2020</a:t>
+              <a:t>8/28/2025</a:t>
             </a:fld>
             <a:endParaRPr lang="en-US" dirty="0"/>
           </a:p>
@@ -6004,7 +6004,7 @@
           <a:p>
             <a:fld id="{EF63B152-7103-4FFE-90AC-D94EB7F44A7E}" type="datetimeFigureOut">
               <a:rPr lang="en-US" smtClean="0"/>
-              <a:t>8/31/2020</a:t>
+              <a:t>8/28/2025</a:t>
             </a:fld>
             <a:endParaRPr lang="en-US" dirty="0"/>
           </a:p>
@@ -6127,7 +6127,7 @@
           <a:p>
             <a:fld id="{EF63B152-7103-4FFE-90AC-D94EB7F44A7E}" type="datetimeFigureOut">
               <a:rPr lang="en-US" smtClean="0"/>
-              <a:t>8/31/2020</a:t>
+              <a:t>8/28/2025</a:t>
             </a:fld>
             <a:endParaRPr lang="en-US" dirty="0"/>
           </a:p>
@@ -6222,7 +6222,7 @@
           <a:p>
             <a:fld id="{EF63B152-7103-4FFE-90AC-D94EB7F44A7E}" type="datetimeFigureOut">
               <a:rPr lang="en-US" smtClean="0"/>
-              <a:t>8/31/2020</a:t>
+              <a:t>8/28/2025</a:t>
             </a:fld>
             <a:endParaRPr lang="en-US" dirty="0"/>
           </a:p>
@@ -6985,7 +6985,7 @@
           <a:p>
             <a:fld id="{EF63B152-7103-4FFE-90AC-D94EB7F44A7E}" type="datetimeFigureOut">
               <a:rPr lang="en-US" smtClean="0"/>
-              <a:t>8/31/2020</a:t>
+              <a:t>8/28/2025</a:t>
             </a:fld>
             <a:endParaRPr lang="en-US" dirty="0"/>
           </a:p>
@@ -7825,7 +7825,7 @@
           <a:p>
             <a:fld id="{EF63B152-7103-4FFE-90AC-D94EB7F44A7E}" type="datetimeFigureOut">
               <a:rPr lang="en-US" smtClean="0"/>
-              <a:t>8/31/2020</a:t>
+              <a:t>8/28/2025</a:t>
             </a:fld>
             <a:endParaRPr lang="en-US" dirty="0"/>
           </a:p>
@@ -8052,7 +8052,7 @@
           <a:p>
             <a:fld id="{EF63B152-7103-4FFE-90AC-D94EB7F44A7E}" type="datetimeFigureOut">
               <a:rPr lang="en-US" smtClean="0"/>
-              <a:t>8/31/2020</a:t>
+              <a:t>8/28/2025</a:t>
             </a:fld>
             <a:endParaRPr lang="en-US" dirty="0"/>
           </a:p>
@@ -14267,6 +14267,13 @@
             <a:tailEnd/>
           </a:ln>
         </p:spPr>
+        <p:txBody>
+          <a:bodyPr/>
+          <a:lstStyle/>
+          <a:p>
+            <a:endParaRPr lang="sv-SE"/>
+          </a:p>
+        </p:txBody>
       </p:sp>
       <p:sp>
         <p:nvSpPr>
@@ -14324,6 +14331,13 @@
             <a:schemeClr val="lt1"/>
           </a:fontRef>
         </p:style>
+        <p:txBody>
+          <a:bodyPr/>
+          <a:lstStyle/>
+          <a:p>
+            <a:endParaRPr lang="sv-SE"/>
+          </a:p>
+        </p:txBody>
       </p:sp>
       <p:sp>
         <p:nvSpPr>
@@ -15085,6 +15099,41 @@
                 <a:latin typeface="Bodoni MT" panose="02070603080606020203" pitchFamily="18" charset="0"/>
               </a:rPr>
               <a:t>Lets Go Champ!</a:t>
+            </a:r>
+          </a:p>
+        </p:txBody>
+      </p:sp>
+      <p:sp>
+        <p:nvSpPr>
+          <p:cNvPr id="2" name="TextBox 1">
+            <a:extLst>
+              <a:ext uri="{FF2B5EF4-FFF2-40B4-BE49-F238E27FC236}">
+                <a16:creationId xmlns:a16="http://schemas.microsoft.com/office/drawing/2014/main" id="{518FE451-9199-E25F-6EDD-4C8BF447FA44}"/>
+              </a:ext>
+            </a:extLst>
+          </p:cNvPr>
+          <p:cNvSpPr txBox="1"/>
+          <p:nvPr/>
+        </p:nvSpPr>
+        <p:spPr>
+          <a:xfrm>
+            <a:off x="4190260" y="3604948"/>
+            <a:ext cx="6658252" cy="369332"/>
+          </a:xfrm>
+          <a:prstGeom prst="rect">
+            <a:avLst/>
+          </a:prstGeom>
+          <a:noFill/>
+        </p:spPr>
+        <p:txBody>
+          <a:bodyPr wrap="square">
+            <a:spAutoFit/>
+          </a:bodyPr>
+          <a:lstStyle/>
+          <a:p>
+            <a:r>
+              <a:rPr lang="sv-SE" dirty="0"/>
+              <a:t>https://www.youtube.com/watch?v=iVmyG1qNuPQ</a:t>
             </a:r>
           </a:p>
         </p:txBody>
@@ -18860,18 +18909,18 @@
 </file>
 
 <file path=customXml/item2.xml><?xml version="1.0" encoding="utf-8"?>
-<p:properties xmlns:p="http://schemas.microsoft.com/office/2006/metadata/properties" xmlns:xsi="http://www.w3.org/2001/XMLSchema-instance" xmlns:pc="http://schemas.microsoft.com/office/infopath/2007/PartnerControls">
-  <documentManagement/>
-</p:properties>
-</file>
-
-<file path=customXml/item3.xml><?xml version="1.0" encoding="utf-8"?>
 <?mso-contentType ?>
 <FormTemplates xmlns="http://schemas.microsoft.com/sharepoint/v3/contenttype/forms">
   <Display>DocumentLibraryForm</Display>
   <Edit>DocumentLibraryForm</Edit>
   <New>DocumentLibraryForm</New>
 </FormTemplates>
+</file>
+
+<file path=customXml/item3.xml><?xml version="1.0" encoding="utf-8"?>
+<p:properties xmlns:p="http://schemas.microsoft.com/office/2006/metadata/properties" xmlns:xsi="http://www.w3.org/2001/XMLSchema-instance" xmlns:pc="http://schemas.microsoft.com/office/infopath/2007/PartnerControls">
+  <documentManagement/>
+</p:properties>
 </file>
 
 <file path=customXml/itemProps1.xml><?xml version="1.0" encoding="utf-8"?>
@@ -18891,6 +18940,14 @@
 </file>
 
 <file path=customXml/itemProps2.xml><?xml version="1.0" encoding="utf-8"?>
+<ds:datastoreItem xmlns:ds="http://schemas.openxmlformats.org/officeDocument/2006/customXml" ds:itemID="{52D0167F-E486-4F9B-83E2-993954E11F03}">
+  <ds:schemaRefs>
+    <ds:schemaRef ds:uri="http://schemas.microsoft.com/sharepoint/v3/contenttype/forms"/>
+  </ds:schemaRefs>
+</ds:datastoreItem>
+</file>
+
+<file path=customXml/itemProps3.xml><?xml version="1.0" encoding="utf-8"?>
 <ds:datastoreItem xmlns:ds="http://schemas.openxmlformats.org/officeDocument/2006/customXml" ds:itemID="{BDB3E54F-9BB9-4821-81E3-A4EFEC7BD0AD}">
   <ds:schemaRefs>
     <ds:schemaRef ds:uri="http://purl.org/dc/elements/1.1/"/>
@@ -18903,12 +18960,4 @@
     <ds:schemaRef ds:uri="http://schemas.openxmlformats.org/package/2006/metadata/core-properties"/>
   </ds:schemaRefs>
 </ds:datastoreItem>
-</file>
-
-<file path=customXml/itemProps3.xml><?xml version="1.0" encoding="utf-8"?>
-<ds:datastoreItem xmlns:ds="http://schemas.openxmlformats.org/officeDocument/2006/customXml" ds:itemID="{52D0167F-E486-4F9B-83E2-993954E11F03}">
-  <ds:schemaRefs>
-    <ds:schemaRef ds:uri="http://schemas.microsoft.com/sharepoint/v3/contenttype/forms"/>
-  </ds:schemaRefs>
-</ds:datastoreItem>
 </file>